--- a/biodiversity_presentation.pptx
+++ b/biodiversity_presentation.pptx
@@ -6839,8 +6839,8 @@
           </a:graphicData>
         </a:graphic>
       </p:graphicFrame>
-      <mc:AlternateContent xmlns:mc="http://schemas.openxmlformats.org/markup-compatibility/2006">
-        <mc:Choice xmlns:a14="http://schemas.microsoft.com/office/drawing/2010/main" Requires="a14">
+      <mc:AlternateContent xmlns:mc="http://schemas.openxmlformats.org/markup-compatibility/2006" xmlns:a14="http://schemas.microsoft.com/office/drawing/2010/main">
+        <mc:Choice Requires="a14">
           <p:sp>
             <p:nvSpPr>
               <p:cNvPr id="5" name="Content Placeholder 4">
@@ -7047,7 +7047,7 @@
             </p:txBody>
           </p:sp>
         </mc:Choice>
-        <mc:Fallback>
+        <mc:Fallback xmlns="">
           <p:sp>
             <p:nvSpPr>
               <p:cNvPr id="5" name="Content Placeholder 4">
